--- a/doc/Pattern/15_Ch03_AbsFactoryPattern.pptx
+++ b/doc/Pattern/15_Ch03_AbsFactoryPattern.pptx
@@ -241,7 +241,7 @@
             <a:fld id="{42650A08-1FBC-433B-9B88-98D5F8B842CD}" type="datetimeFigureOut">
               <a:rPr lang="en-US" smtClean="0"/>
               <a:pPr/>
-              <a:t>3/20/2017</a:t>
+              <a:t>3/21/2017</a:t>
             </a:fld>
             <a:endParaRPr lang="en-US"/>
           </a:p>
@@ -695,7 +695,7 @@
             <a:fld id="{20DBA455-7F56-4B23-8C82-E4D287D136B3}" type="datetime1">
               <a:rPr lang="en-US" smtClean="0"/>
               <a:pPr/>
-              <a:t>3/20/2017</a:t>
+              <a:t>3/21/2017</a:t>
             </a:fld>
             <a:endParaRPr lang="en-US"/>
           </a:p>
@@ -903,7 +903,7 @@
             <a:fld id="{6FF125D9-66EE-4E3E-BC82-15E0BEAA237B}" type="datetime1">
               <a:rPr lang="en-US" smtClean="0"/>
               <a:pPr/>
-              <a:t>3/20/2017</a:t>
+              <a:t>3/21/2017</a:t>
             </a:fld>
             <a:endParaRPr lang="en-US"/>
           </a:p>
@@ -1085,7 +1085,7 @@
             <a:fld id="{14E4EB4F-BE98-498F-B5C2-6D6FF577F12E}" type="datetime1">
               <a:rPr lang="en-US" smtClean="0"/>
               <a:pPr/>
-              <a:t>3/20/2017</a:t>
+              <a:t>3/21/2017</a:t>
             </a:fld>
             <a:endParaRPr lang="en-US"/>
           </a:p>
@@ -1948,7 +1948,7 @@
                 </a:solidFill>
               </a:rPr>
               <a:pPr/>
-              <a:t>3/20/2017</a:t>
+              <a:t>3/21/2017</a:t>
             </a:fld>
             <a:endParaRPr lang="en-US">
               <a:solidFill>
@@ -2162,7 +2162,7 @@
                 </a:solidFill>
               </a:rPr>
               <a:pPr/>
-              <a:t>3/20/2017</a:t>
+              <a:t>3/21/2017</a:t>
             </a:fld>
             <a:endParaRPr lang="en-US">
               <a:solidFill>
@@ -2458,7 +2458,7 @@
                 </a:solidFill>
               </a:rPr>
               <a:pPr/>
-              <a:t>3/20/2017</a:t>
+              <a:t>3/21/2017</a:t>
             </a:fld>
             <a:endParaRPr lang="en-US">
               <a:solidFill>
@@ -2783,7 +2783,7 @@
                 </a:solidFill>
               </a:rPr>
               <a:pPr/>
-              <a:t>3/20/2017</a:t>
+              <a:t>3/21/2017</a:t>
             </a:fld>
             <a:endParaRPr lang="en-US">
               <a:solidFill>
@@ -3190,7 +3190,7 @@
                 </a:solidFill>
               </a:rPr>
               <a:pPr/>
-              <a:t>3/20/2017</a:t>
+              <a:t>3/21/2017</a:t>
             </a:fld>
             <a:endParaRPr lang="en-US">
               <a:solidFill>
@@ -3341,7 +3341,7 @@
                 </a:solidFill>
               </a:rPr>
               <a:pPr/>
-              <a:t>3/20/2017</a:t>
+              <a:t>3/21/2017</a:t>
             </a:fld>
             <a:endParaRPr lang="en-US">
               <a:solidFill>
@@ -3464,7 +3464,7 @@
                 </a:solidFill>
               </a:rPr>
               <a:pPr/>
-              <a:t>3/20/2017</a:t>
+              <a:t>3/21/2017</a:t>
             </a:fld>
             <a:endParaRPr lang="en-US">
               <a:solidFill>
@@ -3747,7 +3747,7 @@
                 </a:solidFill>
               </a:rPr>
               <a:pPr/>
-              <a:t>3/20/2017</a:t>
+              <a:t>3/21/2017</a:t>
             </a:fld>
             <a:endParaRPr lang="en-US">
               <a:solidFill>
@@ -3939,7 +3939,7 @@
             <a:fld id="{7E26ABC0-02D2-4791-BA93-BE3538C06062}" type="datetime1">
               <a:rPr lang="en-US" smtClean="0"/>
               <a:pPr/>
-              <a:t>3/20/2017</a:t>
+              <a:t>3/21/2017</a:t>
             </a:fld>
             <a:endParaRPr lang="en-US"/>
           </a:p>
@@ -4223,7 +4223,7 @@
                 </a:solidFill>
               </a:rPr>
               <a:pPr/>
-              <a:t>3/20/2017</a:t>
+              <a:t>3/21/2017</a:t>
             </a:fld>
             <a:endParaRPr lang="en-US">
               <a:solidFill>
@@ -4502,7 +4502,7 @@
                 </a:solidFill>
               </a:rPr>
               <a:pPr/>
-              <a:t>3/20/2017</a:t>
+              <a:t>3/21/2017</a:t>
             </a:fld>
             <a:endParaRPr lang="en-US">
               <a:solidFill>
@@ -4845,7 +4845,7 @@
                 </a:solidFill>
               </a:rPr>
               <a:pPr/>
-              <a:t>3/20/2017</a:t>
+              <a:t>3/21/2017</a:t>
             </a:fld>
             <a:endParaRPr lang="en-US">
               <a:solidFill>
@@ -5202,7 +5202,7 @@
                 </a:solidFill>
               </a:rPr>
               <a:pPr/>
-              <a:t>3/20/2017</a:t>
+              <a:t>3/21/2017</a:t>
             </a:fld>
             <a:endParaRPr lang="en-US">
               <a:solidFill>
@@ -5544,7 +5544,7 @@
                 </a:solidFill>
               </a:rPr>
               <a:pPr/>
-              <a:t>3/20/2017</a:t>
+              <a:t>3/21/2017</a:t>
             </a:fld>
             <a:endParaRPr lang="en-US">
               <a:solidFill>
@@ -5962,7 +5962,7 @@
                 </a:solidFill>
               </a:rPr>
               <a:pPr/>
-              <a:t>3/20/2017</a:t>
+              <a:t>3/21/2017</a:t>
             </a:fld>
             <a:endParaRPr lang="en-US">
               <a:solidFill>
@@ -6161,7 +6161,7 @@
                 </a:solidFill>
               </a:rPr>
               <a:pPr/>
-              <a:t>3/20/2017</a:t>
+              <a:t>3/21/2017</a:t>
             </a:fld>
             <a:endParaRPr lang="en-US">
               <a:solidFill>
@@ -6369,7 +6369,7 @@
                 </a:solidFill>
               </a:rPr>
               <a:pPr/>
-              <a:t>3/20/2017</a:t>
+              <a:t>3/21/2017</a:t>
             </a:fld>
             <a:endParaRPr lang="en-US">
               <a:solidFill>
@@ -6635,7 +6635,7 @@
             <a:fld id="{88794B8C-9C25-4502-91AC-D3600D9DAE48}" type="datetime1">
               <a:rPr lang="en-US" smtClean="0"/>
               <a:pPr/>
-              <a:t>3/20/2017</a:t>
+              <a:t>3/21/2017</a:t>
             </a:fld>
             <a:endParaRPr lang="en-US"/>
           </a:p>
@@ -6882,7 +6882,7 @@
             <a:fld id="{3DC8048B-2587-4881-92AB-D49A31D5A612}" type="datetime1">
               <a:rPr lang="en-US" smtClean="0"/>
               <a:pPr/>
-              <a:t>3/20/2017</a:t>
+              <a:t>3/21/2017</a:t>
             </a:fld>
             <a:endParaRPr lang="en-US"/>
           </a:p>
@@ -7251,7 +7251,7 @@
             <a:fld id="{54DCF270-1BF1-4750-86EA-2CBB5E03D75B}" type="datetime1">
               <a:rPr lang="en-US" smtClean="0"/>
               <a:pPr/>
-              <a:t>3/20/2017</a:t>
+              <a:t>3/21/2017</a:t>
             </a:fld>
             <a:endParaRPr lang="en-US"/>
           </a:p>
@@ -7371,7 +7371,7 @@
             <a:fld id="{55E553B1-3C32-45B8-8F45-E4A0B52DAE0D}" type="datetime1">
               <a:rPr lang="en-US" smtClean="0"/>
               <a:pPr/>
-              <a:t>3/20/2017</a:t>
+              <a:t>3/21/2017</a:t>
             </a:fld>
             <a:endParaRPr lang="en-US"/>
           </a:p>
@@ -7468,7 +7468,7 @@
             <a:fld id="{4F57D02A-8A53-43D3-B3ED-D08D89538281}" type="datetime1">
               <a:rPr lang="en-US" smtClean="0"/>
               <a:pPr/>
-              <a:t>3/20/2017</a:t>
+              <a:t>3/21/2017</a:t>
             </a:fld>
             <a:endParaRPr lang="en-US"/>
           </a:p>
@@ -7747,7 +7747,7 @@
             <a:fld id="{A918CE20-5FA2-4DEC-B586-21A327328F76}" type="datetime1">
               <a:rPr lang="en-US" smtClean="0"/>
               <a:pPr/>
-              <a:t>3/20/2017</a:t>
+              <a:t>3/21/2017</a:t>
             </a:fld>
             <a:endParaRPr lang="en-US"/>
           </a:p>
@@ -8006,7 +8006,7 @@
             <a:fld id="{0825CDBA-26A6-4F2A-A4E2-0E196F0AF72F}" type="datetime1">
               <a:rPr lang="en-US" smtClean="0"/>
               <a:pPr/>
-              <a:t>3/20/2017</a:t>
+              <a:t>3/21/2017</a:t>
             </a:fld>
             <a:endParaRPr lang="en-US"/>
           </a:p>
@@ -8221,7 +8221,7 @@
             <a:fld id="{DFAFDBB9-A580-4805-9C7E-9E45C09329B9}" type="datetime1">
               <a:rPr lang="en-US" smtClean="0"/>
               <a:pPr/>
-              <a:t>3/20/2017</a:t>
+              <a:t>3/21/2017</a:t>
             </a:fld>
             <a:endParaRPr lang="en-US"/>
           </a:p>
@@ -9380,7 +9380,7 @@
                 </a:solidFill>
               </a:rPr>
               <a:pPr/>
-              <a:t>3/20/2017</a:t>
+              <a:t>3/21/2017</a:t>
             </a:fld>
             <a:endParaRPr lang="en-US">
               <a:solidFill>
@@ -9995,7 +9995,7 @@
                   </a:outerShdw>
                 </a:effectLst>
               </a:rPr>
-              <a:t>Java</a:t>
+              <a:t>Java Design Pattern</a:t>
             </a:r>
             <a:r>
               <a:rPr lang="en-US" altLang="zh-TW" b="1" dirty="0" smtClean="0"/>
@@ -10067,38 +10067,6 @@
           </a:p>
         </p:txBody>
       </p:sp>
-      <p:pic>
-        <p:nvPicPr>
-          <p:cNvPr id="2" name="Picture 2"/>
-          <p:cNvPicPr>
-            <a:picLocks noChangeAspect="1" noChangeArrowheads="1"/>
-          </p:cNvPicPr>
-          <p:nvPr/>
-        </p:nvPicPr>
-        <p:blipFill>
-          <a:blip r:embed="rId4" cstate="print"/>
-          <a:srcRect/>
-          <a:stretch>
-            <a:fillRect/>
-          </a:stretch>
-        </p:blipFill>
-        <p:spPr bwMode="auto">
-          <a:xfrm>
-            <a:off x="4090786" y="4296228"/>
-            <a:ext cx="842485" cy="667203"/>
-          </a:xfrm>
-          <a:prstGeom prst="rect">
-            <a:avLst/>
-          </a:prstGeom>
-          <a:noFill/>
-          <a:ln w="9525">
-            <a:noFill/>
-            <a:miter lim="800000"/>
-            <a:headEnd/>
-            <a:tailEnd/>
-          </a:ln>
-        </p:spPr>
-      </p:pic>
       <p:pic>
         <p:nvPicPr>
           <p:cNvPr id="7" name="Picture 2"/>
@@ -10319,7 +10287,7 @@
             <a:pPr algn="ctr"/>
             <a:r>
               <a:rPr lang="en-US" dirty="0" smtClean="0"/>
-              <a:t>Design Pattern - CS596</a:t>
+              <a:t>Java Design Pattern - CS596</a:t>
             </a:r>
             <a:endParaRPr lang="en-US" dirty="0"/>
           </a:p>
@@ -10715,7 +10683,7 @@
             <a:pPr algn="ctr"/>
             <a:r>
               <a:rPr lang="en-US" dirty="0" smtClean="0"/>
-              <a:t>Design Pattern - CS596</a:t>
+              <a:t>Java Design Pattern - CS596</a:t>
             </a:r>
             <a:endParaRPr lang="en-US" dirty="0"/>
           </a:p>
@@ -11098,7 +11066,7 @@
             <a:pPr algn="ctr"/>
             <a:r>
               <a:rPr lang="en-US" dirty="0" smtClean="0"/>
-              <a:t>Design Pattern - CS596</a:t>
+              <a:t>Java Design Pattern - CS596</a:t>
             </a:r>
             <a:endParaRPr lang="en-US" dirty="0"/>
           </a:p>
@@ -11632,7 +11600,7 @@
             <a:pPr algn="ctr"/>
             <a:r>
               <a:rPr lang="en-US" dirty="0" smtClean="0"/>
-              <a:t>Design Pattern - CS596</a:t>
+              <a:t>Java Design Pattern - CS596</a:t>
             </a:r>
             <a:endParaRPr lang="en-US" dirty="0"/>
           </a:p>
@@ -12131,7 +12099,7 @@
             <a:pPr algn="ctr"/>
             <a:r>
               <a:rPr lang="en-US" dirty="0" smtClean="0"/>
-              <a:t>Design Pattern - CS596</a:t>
+              <a:t>Java Design Pattern - CS596</a:t>
             </a:r>
             <a:endParaRPr lang="en-US" dirty="0"/>
           </a:p>
@@ -12527,7 +12495,7 @@
             <a:pPr algn="ctr"/>
             <a:r>
               <a:rPr lang="en-US" dirty="0" smtClean="0"/>
-              <a:t>Design Pattern - CS596</a:t>
+              <a:t>Java Design Pattern - CS596</a:t>
             </a:r>
             <a:endParaRPr lang="en-US" dirty="0"/>
           </a:p>
@@ -12910,7 +12878,7 @@
             <a:pPr algn="ctr"/>
             <a:r>
               <a:rPr lang="en-US" dirty="0" smtClean="0"/>
-              <a:t>Design Pattern - CS596</a:t>
+              <a:t>Java Design Pattern - CS596</a:t>
             </a:r>
             <a:endParaRPr lang="en-US" dirty="0"/>
           </a:p>
@@ -13595,7 +13563,7 @@
             <a:pPr algn="ctr"/>
             <a:r>
               <a:rPr lang="en-US" dirty="0" smtClean="0"/>
-              <a:t>Design Pattern - CS596</a:t>
+              <a:t>Java Design Pattern - CS596</a:t>
             </a:r>
             <a:endParaRPr lang="en-US" dirty="0"/>
           </a:p>
@@ -14128,7 +14096,7 @@
             <a:pPr algn="ctr"/>
             <a:r>
               <a:rPr lang="en-US" dirty="0" smtClean="0"/>
-              <a:t>Design Pattern - CS596</a:t>
+              <a:t>Java Design Pattern - CS596</a:t>
             </a:r>
             <a:endParaRPr lang="en-US" dirty="0"/>
           </a:p>
@@ -14742,7 +14710,7 @@
             <a:pPr algn="ctr"/>
             <a:r>
               <a:rPr lang="en-US" dirty="0" smtClean="0"/>
-              <a:t>Design Pattern - CS596</a:t>
+              <a:t>Java Design Pattern - CS596</a:t>
             </a:r>
             <a:endParaRPr lang="en-US" dirty="0"/>
           </a:p>
@@ -15478,7 +15446,7 @@
             <a:pPr algn="ctr"/>
             <a:r>
               <a:rPr lang="en-US" dirty="0" smtClean="0"/>
-              <a:t>Design Pattern - CS596</a:t>
+              <a:t>Java Design Pattern - CS596</a:t>
             </a:r>
             <a:endParaRPr lang="en-US" dirty="0"/>
           </a:p>
@@ -16142,7 +16110,7 @@
             <a:pPr algn="ctr"/>
             <a:r>
               <a:rPr lang="en-US" dirty="0" smtClean="0"/>
-              <a:t>Design Pattern - CS596</a:t>
+              <a:t>Java Design Pattern - CS596</a:t>
             </a:r>
             <a:endParaRPr lang="en-US" dirty="0"/>
           </a:p>
@@ -16659,7 +16627,7 @@
             <a:pPr algn="ctr"/>
             <a:r>
               <a:rPr lang="en-US" dirty="0" smtClean="0"/>
-              <a:t>Design Pattern - CS596</a:t>
+              <a:t>Java Design Pattern - CS596</a:t>
             </a:r>
             <a:endParaRPr lang="en-US" dirty="0"/>
           </a:p>
@@ -17161,7 +17129,7 @@
             <a:pPr algn="ctr"/>
             <a:r>
               <a:rPr lang="en-US" dirty="0" smtClean="0"/>
-              <a:t>Design Pattern - CS596</a:t>
+              <a:t>Java Design Pattern - CS596</a:t>
             </a:r>
             <a:endParaRPr lang="en-US" dirty="0"/>
           </a:p>
@@ -17536,7 +17504,7 @@
             <a:pPr algn="ctr"/>
             <a:r>
               <a:rPr lang="en-US" dirty="0" smtClean="0"/>
-              <a:t>Design Pattern - CS596</a:t>
+              <a:t>Java Design Pattern - CS596</a:t>
             </a:r>
             <a:endParaRPr lang="en-US" dirty="0"/>
           </a:p>
@@ -17777,52 +17745,7 @@
                   </a:outerShdw>
                 </a:effectLst>
               </a:rPr>
-              <a:t>3.9 </a:t>
-            </a:r>
-            <a:r>
-              <a:rPr lang="en-US" sz="3600" b="1" dirty="0" smtClean="0">
-                <a:solidFill>
-                  <a:srgbClr val="FFC000"/>
-                </a:solidFill>
-                <a:effectLst>
-                  <a:outerShdw blurRad="38100" dist="38100" dir="2700000" algn="tl">
-                    <a:srgbClr val="000000">
-                      <a:alpha val="43137"/>
-                    </a:srgbClr>
-                  </a:outerShdw>
-                </a:effectLst>
-              </a:rPr>
-              <a:t>Step </a:t>
-            </a:r>
-            <a:r>
-              <a:rPr lang="en-US" sz="3600" b="1" dirty="0" smtClean="0">
-                <a:solidFill>
-                  <a:srgbClr val="FFC000"/>
-                </a:solidFill>
-                <a:effectLst>
-                  <a:outerShdw blurRad="38100" dist="38100" dir="2700000" algn="tl">
-                    <a:srgbClr val="000000">
-                      <a:alpha val="43137"/>
-                    </a:srgbClr>
-                  </a:outerShdw>
-                </a:effectLst>
-              </a:rPr>
-              <a:t>9: Run Factory </a:t>
-            </a:r>
-            <a:r>
-              <a:rPr lang="en-US" sz="3600" b="1" dirty="0" smtClean="0">
-                <a:solidFill>
-                  <a:srgbClr val="FFC000"/>
-                </a:solidFill>
-                <a:effectLst>
-                  <a:outerShdw blurRad="38100" dist="38100" dir="2700000" algn="tl">
-                    <a:srgbClr val="000000">
-                      <a:alpha val="43137"/>
-                    </a:srgbClr>
-                  </a:outerShdw>
-                </a:effectLst>
-              </a:rPr>
-              <a:t>Pattern Demo</a:t>
+              <a:t>3.9 Step 9: Run Factory Pattern Demo</a:t>
             </a:r>
             <a:endParaRPr lang="en-US" sz="3600" dirty="0">
               <a:solidFill>
@@ -17974,22 +17897,7 @@
                   </a:outerShdw>
                 </a:effectLst>
               </a:rPr>
-              <a:t>3.9 Step 9: Run Factory </a:t>
-            </a:r>
-            <a:r>
-              <a:rPr lang="en-US" altLang="zh-TW" sz="3000" b="1" dirty="0" smtClean="0">
-                <a:solidFill>
-                  <a:srgbClr val="0070C0"/>
-                </a:solidFill>
-                <a:effectLst>
-                  <a:outerShdw blurRad="38100" dist="38100" dir="2700000" algn="tl">
-                    <a:srgbClr val="000000">
-                      <a:alpha val="43137"/>
-                    </a:srgbClr>
-                  </a:outerShdw>
-                </a:effectLst>
-              </a:rPr>
-              <a:t>Pattern Demo</a:t>
+              <a:t>3.9 Step 9: Run Factory Pattern Demo</a:t>
             </a:r>
             <a:endParaRPr lang="en-US" altLang="zh-TW" sz="3000" b="1" dirty="0">
               <a:solidFill>
@@ -18067,7 +17975,7 @@
             <a:pPr algn="ctr"/>
             <a:r>
               <a:rPr lang="en-US" dirty="0" smtClean="0"/>
-              <a:t>Design Pattern - CS596</a:t>
+              <a:t>Java Design Pattern - CS596</a:t>
             </a:r>
             <a:endParaRPr lang="en-US" dirty="0"/>
           </a:p>
@@ -18736,7 +18644,7 @@
             <a:pPr algn="ctr"/>
             <a:r>
               <a:rPr lang="en-US" dirty="0" smtClean="0"/>
-              <a:t>Design Pattern - CS596</a:t>
+              <a:t>Java Design Pattern - CS596</a:t>
             </a:r>
             <a:endParaRPr lang="en-US" dirty="0"/>
           </a:p>
@@ -19206,7 +19114,7 @@
             <a:pPr algn="ctr"/>
             <a:r>
               <a:rPr lang="en-US" dirty="0" smtClean="0"/>
-              <a:t>Design Pattern - CS596</a:t>
+              <a:t>Java Design Pattern - CS596</a:t>
             </a:r>
             <a:endParaRPr lang="en-US" dirty="0"/>
           </a:p>
@@ -19659,7 +19567,7 @@
             <a:pPr algn="ctr"/>
             <a:r>
               <a:rPr lang="en-US" dirty="0" smtClean="0"/>
-              <a:t>Design Pattern - CS596</a:t>
+              <a:t>Java Design Pattern - CS596</a:t>
             </a:r>
             <a:endParaRPr lang="en-US" dirty="0"/>
           </a:p>
